--- a/20. Modelo Conceitual de Negócio.pptx
+++ b/20. Modelo Conceitual de Negócio.pptx
@@ -259,7 +259,7 @@
           <a:p>
             <a:fld id="{B78E17A4-BFF9-4F42-8518-FB604083F417}" type="datetimeFigureOut">
               <a:rPr lang="pt-BR" smtClean="0"/>
-              <a:t>25/09/2020</a:t>
+              <a:t>03/10/2020</a:t>
             </a:fld>
             <a:endParaRPr lang="pt-BR"/>
           </a:p>
@@ -457,7 +457,7 @@
           <a:p>
             <a:fld id="{B78E17A4-BFF9-4F42-8518-FB604083F417}" type="datetimeFigureOut">
               <a:rPr lang="pt-BR" smtClean="0"/>
-              <a:t>25/09/2020</a:t>
+              <a:t>03/10/2020</a:t>
             </a:fld>
             <a:endParaRPr lang="pt-BR"/>
           </a:p>
@@ -665,7 +665,7 @@
           <a:p>
             <a:fld id="{B78E17A4-BFF9-4F42-8518-FB604083F417}" type="datetimeFigureOut">
               <a:rPr lang="pt-BR" smtClean="0"/>
-              <a:t>25/09/2020</a:t>
+              <a:t>03/10/2020</a:t>
             </a:fld>
             <a:endParaRPr lang="pt-BR"/>
           </a:p>
@@ -863,7 +863,7 @@
           <a:p>
             <a:fld id="{B78E17A4-BFF9-4F42-8518-FB604083F417}" type="datetimeFigureOut">
               <a:rPr lang="pt-BR" smtClean="0"/>
-              <a:t>25/09/2020</a:t>
+              <a:t>03/10/2020</a:t>
             </a:fld>
             <a:endParaRPr lang="pt-BR"/>
           </a:p>
@@ -1138,7 +1138,7 @@
           <a:p>
             <a:fld id="{B78E17A4-BFF9-4F42-8518-FB604083F417}" type="datetimeFigureOut">
               <a:rPr lang="pt-BR" smtClean="0"/>
-              <a:t>25/09/2020</a:t>
+              <a:t>03/10/2020</a:t>
             </a:fld>
             <a:endParaRPr lang="pt-BR"/>
           </a:p>
@@ -1403,7 +1403,7 @@
           <a:p>
             <a:fld id="{B78E17A4-BFF9-4F42-8518-FB604083F417}" type="datetimeFigureOut">
               <a:rPr lang="pt-BR" smtClean="0"/>
-              <a:t>25/09/2020</a:t>
+              <a:t>03/10/2020</a:t>
             </a:fld>
             <a:endParaRPr lang="pt-BR"/>
           </a:p>
@@ -1815,7 +1815,7 @@
           <a:p>
             <a:fld id="{B78E17A4-BFF9-4F42-8518-FB604083F417}" type="datetimeFigureOut">
               <a:rPr lang="pt-BR" smtClean="0"/>
-              <a:t>25/09/2020</a:t>
+              <a:t>03/10/2020</a:t>
             </a:fld>
             <a:endParaRPr lang="pt-BR"/>
           </a:p>
@@ -1956,7 +1956,7 @@
           <a:p>
             <a:fld id="{B78E17A4-BFF9-4F42-8518-FB604083F417}" type="datetimeFigureOut">
               <a:rPr lang="pt-BR" smtClean="0"/>
-              <a:t>25/09/2020</a:t>
+              <a:t>03/10/2020</a:t>
             </a:fld>
             <a:endParaRPr lang="pt-BR"/>
           </a:p>
@@ -2069,7 +2069,7 @@
           <a:p>
             <a:fld id="{B78E17A4-BFF9-4F42-8518-FB604083F417}" type="datetimeFigureOut">
               <a:rPr lang="pt-BR" smtClean="0"/>
-              <a:t>25/09/2020</a:t>
+              <a:t>03/10/2020</a:t>
             </a:fld>
             <a:endParaRPr lang="pt-BR"/>
           </a:p>
@@ -2380,7 +2380,7 @@
           <a:p>
             <a:fld id="{B78E17A4-BFF9-4F42-8518-FB604083F417}" type="datetimeFigureOut">
               <a:rPr lang="pt-BR" smtClean="0"/>
-              <a:t>25/09/2020</a:t>
+              <a:t>03/10/2020</a:t>
             </a:fld>
             <a:endParaRPr lang="pt-BR"/>
           </a:p>
@@ -2668,7 +2668,7 @@
           <a:p>
             <a:fld id="{B78E17A4-BFF9-4F42-8518-FB604083F417}" type="datetimeFigureOut">
               <a:rPr lang="pt-BR" smtClean="0"/>
-              <a:t>25/09/2020</a:t>
+              <a:t>03/10/2020</a:t>
             </a:fld>
             <a:endParaRPr lang="pt-BR"/>
           </a:p>
@@ -2909,7 +2909,7 @@
           <a:p>
             <a:fld id="{B78E17A4-BFF9-4F42-8518-FB604083F417}" type="datetimeFigureOut">
               <a:rPr lang="pt-BR" smtClean="0"/>
-              <a:t>25/09/2020</a:t>
+              <a:t>03/10/2020</a:t>
             </a:fld>
             <a:endParaRPr lang="pt-BR"/>
           </a:p>
@@ -3326,12 +3326,53 @@
           <a:chExt cx="0" cy="0"/>
         </a:xfrm>
       </p:grpSpPr>
+      <p:sp>
+        <p:nvSpPr>
+          <p:cNvPr id="2" name="Título 1">
+            <a:extLst>
+              <a:ext uri="{FF2B5EF4-FFF2-40B4-BE49-F238E27FC236}">
+                <a16:creationId xmlns:a16="http://schemas.microsoft.com/office/drawing/2014/main" id="{F7BCA7AB-49FF-479D-B9B4-6C31AA54CA15}"/>
+              </a:ext>
+            </a:extLst>
+          </p:cNvPr>
+          <p:cNvSpPr>
+            <a:spLocks noGrp="1"/>
+          </p:cNvSpPr>
+          <p:nvPr>
+            <p:ph type="title"/>
+          </p:nvPr>
+        </p:nvSpPr>
+        <p:spPr>
+          <a:xfrm>
+            <a:off x="231820" y="532550"/>
+            <a:ext cx="11500833" cy="639427"/>
+          </a:xfrm>
+        </p:spPr>
+        <p:txBody>
+          <a:bodyPr>
+            <a:noAutofit/>
+          </a:bodyPr>
+          <a:lstStyle/>
+          <a:p>
+            <a:pPr algn="ctr"/>
+            <a:r>
+              <a:rPr lang="pt-BR" sz="4000" b="1" dirty="0">
+                <a:effectLst/>
+                <a:latin typeface="Arial" panose="020B0604020202020204" pitchFamily="34" charset="0"/>
+                <a:ea typeface="Calibri" panose="020F0502020204030204" pitchFamily="34" charset="0"/>
+              </a:rPr>
+              <a:t>Capacidade: Solicitar serviço</a:t>
+            </a:r>
+            <a:endParaRPr lang="pt-BR" sz="4000" dirty="0"/>
+          </a:p>
+        </p:txBody>
+      </p:sp>
       <p:pic>
         <p:nvPicPr>
-          <p:cNvPr id="5" name="Imagem 4" descr="Uma imagem contendo Forma&#10;&#10;Descrição gerada automaticamente">
-            <a:extLst>
-              <a:ext uri="{FF2B5EF4-FFF2-40B4-BE49-F238E27FC236}">
-                <a16:creationId xmlns:a16="http://schemas.microsoft.com/office/drawing/2014/main" id="{5CD689A3-3AFF-4139-8504-C650852A8295}"/>
+          <p:cNvPr id="4" name="Imagem 3" descr="Uma imagem contendo Forma&#10;&#10;Descrição gerada automaticamente">
+            <a:extLst>
+              <a:ext uri="{FF2B5EF4-FFF2-40B4-BE49-F238E27FC236}">
+                <a16:creationId xmlns:a16="http://schemas.microsoft.com/office/drawing/2014/main" id="{67517C47-5DC6-4AE9-86C7-4A77560D3A96}"/>
               </a:ext>
             </a:extLst>
           </p:cNvPr>
@@ -3354,55 +3395,14 @@
         </p:blipFill>
         <p:spPr>
           <a:xfrm>
-            <a:off x="1216667" y="1866997"/>
-            <a:ext cx="9758665" cy="4694789"/>
+            <a:off x="596485" y="1499879"/>
+            <a:ext cx="10999029" cy="5139181"/>
           </a:xfrm>
           <a:prstGeom prst="rect">
             <a:avLst/>
           </a:prstGeom>
         </p:spPr>
       </p:pic>
-      <p:sp>
-        <p:nvSpPr>
-          <p:cNvPr id="2" name="Título 1">
-            <a:extLst>
-              <a:ext uri="{FF2B5EF4-FFF2-40B4-BE49-F238E27FC236}">
-                <a16:creationId xmlns:a16="http://schemas.microsoft.com/office/drawing/2014/main" id="{F7BCA7AB-49FF-479D-B9B4-6C31AA54CA15}"/>
-              </a:ext>
-            </a:extLst>
-          </p:cNvPr>
-          <p:cNvSpPr>
-            <a:spLocks noGrp="1"/>
-          </p:cNvSpPr>
-          <p:nvPr>
-            <p:ph type="title"/>
-          </p:nvPr>
-        </p:nvSpPr>
-        <p:spPr>
-          <a:xfrm>
-            <a:off x="231820" y="532550"/>
-            <a:ext cx="11500833" cy="639427"/>
-          </a:xfrm>
-        </p:spPr>
-        <p:txBody>
-          <a:bodyPr>
-            <a:noAutofit/>
-          </a:bodyPr>
-          <a:lstStyle/>
-          <a:p>
-            <a:pPr algn="ctr"/>
-            <a:r>
-              <a:rPr lang="pt-BR" sz="4000" b="1" dirty="0">
-                <a:effectLst/>
-                <a:latin typeface="Arial" panose="020B0604020202020204" pitchFamily="34" charset="0"/>
-                <a:ea typeface="Calibri" panose="020F0502020204030204" pitchFamily="34" charset="0"/>
-              </a:rPr>
-              <a:t>Capacidade: Solicitar serviço</a:t>
-            </a:r>
-            <a:endParaRPr lang="pt-BR" sz="4000" dirty="0"/>
-          </a:p>
-        </p:txBody>
-      </p:sp>
     </p:spTree>
     <p:extLst>
       <p:ext uri="{BB962C8B-B14F-4D97-AF65-F5344CB8AC3E}">
